--- a/docs/diagrams/ModelComponentClassDiagram.pptx
+++ b/docs/diagrams/ModelComponentClassDiagram.pptx
@@ -208,7 +208,7 @@
           <a:p>
             <a:fld id="{F5CC4B3F-88C1-4FFA-B1B6-F41C21DC6924}" type="datetimeFigureOut">
               <a:rPr lang="en-US" smtClean="0"/>
-              <a:t>11/11/2018</a:t>
+              <a:t>11/12/2018</a:t>
             </a:fld>
             <a:endParaRPr lang="en-US"/>
           </a:p>
@@ -654,7 +654,7 @@
           <a:p>
             <a:fld id="{78C97017-6FC3-485B-9764-EAC9E56C1D49}" type="datetimeFigureOut">
               <a:rPr lang="en-US" smtClean="0"/>
-              <a:t>11/11/2018</a:t>
+              <a:t>11/12/2018</a:t>
             </a:fld>
             <a:endParaRPr lang="en-US"/>
           </a:p>
@@ -822,7 +822,7 @@
           <a:p>
             <a:fld id="{78C97017-6FC3-485B-9764-EAC9E56C1D49}" type="datetimeFigureOut">
               <a:rPr lang="en-US" smtClean="0"/>
-              <a:t>11/11/2018</a:t>
+              <a:t>11/12/2018</a:t>
             </a:fld>
             <a:endParaRPr lang="en-US"/>
           </a:p>
@@ -1000,7 +1000,7 @@
           <a:p>
             <a:fld id="{78C97017-6FC3-485B-9764-EAC9E56C1D49}" type="datetimeFigureOut">
               <a:rPr lang="en-US" smtClean="0"/>
-              <a:t>11/11/2018</a:t>
+              <a:t>11/12/2018</a:t>
             </a:fld>
             <a:endParaRPr lang="en-US"/>
           </a:p>
@@ -1168,7 +1168,7 @@
           <a:p>
             <a:fld id="{78C97017-6FC3-485B-9764-EAC9E56C1D49}" type="datetimeFigureOut">
               <a:rPr lang="en-US" smtClean="0"/>
-              <a:t>11/11/2018</a:t>
+              <a:t>11/12/2018</a:t>
             </a:fld>
             <a:endParaRPr lang="en-US"/>
           </a:p>
@@ -1413,7 +1413,7 @@
           <a:p>
             <a:fld id="{78C97017-6FC3-485B-9764-EAC9E56C1D49}" type="datetimeFigureOut">
               <a:rPr lang="en-US" smtClean="0"/>
-              <a:t>11/11/2018</a:t>
+              <a:t>11/12/2018</a:t>
             </a:fld>
             <a:endParaRPr lang="en-US"/>
           </a:p>
@@ -1698,7 +1698,7 @@
           <a:p>
             <a:fld id="{78C97017-6FC3-485B-9764-EAC9E56C1D49}" type="datetimeFigureOut">
               <a:rPr lang="en-US" smtClean="0"/>
-              <a:t>11/11/2018</a:t>
+              <a:t>11/12/2018</a:t>
             </a:fld>
             <a:endParaRPr lang="en-US"/>
           </a:p>
@@ -2117,7 +2117,7 @@
           <a:p>
             <a:fld id="{78C97017-6FC3-485B-9764-EAC9E56C1D49}" type="datetimeFigureOut">
               <a:rPr lang="en-US" smtClean="0"/>
-              <a:t>11/11/2018</a:t>
+              <a:t>11/12/2018</a:t>
             </a:fld>
             <a:endParaRPr lang="en-US"/>
           </a:p>
@@ -2234,7 +2234,7 @@
           <a:p>
             <a:fld id="{78C97017-6FC3-485B-9764-EAC9E56C1D49}" type="datetimeFigureOut">
               <a:rPr lang="en-US" smtClean="0"/>
-              <a:t>11/11/2018</a:t>
+              <a:t>11/12/2018</a:t>
             </a:fld>
             <a:endParaRPr lang="en-US"/>
           </a:p>
@@ -2329,7 +2329,7 @@
           <a:p>
             <a:fld id="{78C97017-6FC3-485B-9764-EAC9E56C1D49}" type="datetimeFigureOut">
               <a:rPr lang="en-US" smtClean="0"/>
-              <a:t>11/11/2018</a:t>
+              <a:t>11/12/2018</a:t>
             </a:fld>
             <a:endParaRPr lang="en-US"/>
           </a:p>
@@ -2604,7 +2604,7 @@
           <a:p>
             <a:fld id="{78C97017-6FC3-485B-9764-EAC9E56C1D49}" type="datetimeFigureOut">
               <a:rPr lang="en-US" smtClean="0"/>
-              <a:t>11/11/2018</a:t>
+              <a:t>11/12/2018</a:t>
             </a:fld>
             <a:endParaRPr lang="en-US"/>
           </a:p>
@@ -2856,7 +2856,7 @@
           <a:p>
             <a:fld id="{78C97017-6FC3-485B-9764-EAC9E56C1D49}" type="datetimeFigureOut">
               <a:rPr lang="en-US" smtClean="0"/>
-              <a:t>11/11/2018</a:t>
+              <a:t>11/12/2018</a:t>
             </a:fld>
             <a:endParaRPr lang="en-US"/>
           </a:p>
@@ -3067,7 +3067,7 @@
           <a:p>
             <a:fld id="{78C97017-6FC3-485B-9764-EAC9E56C1D49}" type="datetimeFigureOut">
               <a:rPr lang="en-US" smtClean="0"/>
-              <a:t>11/11/2018</a:t>
+              <a:t>11/12/2018</a:t>
             </a:fld>
             <a:endParaRPr lang="en-US"/>
           </a:p>
@@ -3450,8 +3450,8 @@
         </p:nvSpPr>
         <p:spPr>
           <a:xfrm>
-            <a:off x="826632" y="609600"/>
-            <a:ext cx="7555368" cy="6008360"/>
+            <a:off x="417073" y="488803"/>
+            <a:ext cx="8637528" cy="6008360"/>
           </a:xfrm>
           <a:prstGeom prst="roundRect">
             <a:avLst>
@@ -3511,7 +3511,7 @@
         </p:nvSpPr>
         <p:spPr>
           <a:xfrm rot="16200000">
-            <a:off x="1368315" y="2107150"/>
+            <a:off x="987315" y="2055860"/>
             <a:ext cx="1093635" cy="346760"/>
           </a:xfrm>
           <a:prstGeom prst="rect">
@@ -3574,7 +3574,7 @@
         </p:nvCxnSpPr>
         <p:spPr>
           <a:xfrm rot="5400000" flipH="1" flipV="1">
-            <a:off x="3838274" y="291085"/>
+            <a:off x="3457274" y="239795"/>
             <a:ext cx="613122" cy="4459404"/>
           </a:xfrm>
           <a:prstGeom prst="bentConnector3">
@@ -3615,7 +3615,7 @@
         </p:nvSpPr>
         <p:spPr>
           <a:xfrm rot="16200000">
-            <a:off x="662969" y="1870602"/>
+            <a:off x="281969" y="1819312"/>
             <a:ext cx="1093635" cy="346760"/>
           </a:xfrm>
           <a:prstGeom prst="rect">
@@ -3685,7 +3685,7 @@
         </p:nvSpPr>
         <p:spPr>
           <a:xfrm rot="16200000">
-            <a:off x="1333677" y="1961691"/>
+            <a:off x="952678" y="1910216"/>
             <a:ext cx="270504" cy="175523"/>
           </a:xfrm>
           <a:prstGeom prst="triangle">
@@ -3720,10 +3720,7 @@
           <a:lstStyle/>
           <a:p>
             <a:pPr algn="ctr"/>
-            <a:r>
-              <a:rPr lang="en-SG" sz="1050" dirty="0"/>
-              <a:t>X`</a:t>
-            </a:r>
+            <a:endParaRPr lang="en-SG" sz="1050" dirty="0"/>
           </a:p>
         </p:txBody>
       </p:sp>
@@ -3735,7 +3732,7 @@
         </p:nvCxnSpPr>
         <p:spPr>
           <a:xfrm>
-            <a:off x="616858" y="2049453"/>
+            <a:off x="235858" y="1998163"/>
             <a:ext cx="419548" cy="2860"/>
           </a:xfrm>
           <a:prstGeom prst="bentConnector3">
@@ -3780,7 +3777,7 @@
         </p:nvCxnSpPr>
         <p:spPr>
           <a:xfrm flipV="1">
-            <a:off x="1556691" y="2049452"/>
+            <a:off x="1175692" y="1997977"/>
             <a:ext cx="216105" cy="1"/>
           </a:xfrm>
           <a:prstGeom prst="line">
@@ -3819,7 +3816,7 @@
         </p:nvSpPr>
         <p:spPr>
           <a:xfrm>
-            <a:off x="2532047" y="1855562"/>
+            <a:off x="2151047" y="1804272"/>
             <a:ext cx="1490560" cy="334856"/>
           </a:xfrm>
           <a:prstGeom prst="rect">
@@ -3878,7 +3875,7 @@
         </p:nvCxnSpPr>
         <p:spPr>
           <a:xfrm>
-            <a:off x="2331127" y="2012433"/>
+            <a:off x="1950127" y="1961143"/>
             <a:ext cx="200920" cy="10557"/>
           </a:xfrm>
           <a:prstGeom prst="straightConnector1">
@@ -3916,7 +3913,7 @@
         </p:nvSpPr>
         <p:spPr>
           <a:xfrm>
-            <a:off x="2095079" y="1925743"/>
+            <a:off x="1714079" y="1874453"/>
             <a:ext cx="236048" cy="173380"/>
           </a:xfrm>
           <a:prstGeom prst="flowChartDecision">
@@ -3961,7 +3958,7 @@
         </p:nvSpPr>
         <p:spPr>
           <a:xfrm>
-            <a:off x="4399417" y="1855562"/>
+            <a:off x="4018417" y="1804272"/>
             <a:ext cx="1156969" cy="346760"/>
           </a:xfrm>
           <a:prstGeom prst="rect">
@@ -4032,7 +4029,7 @@
         </p:nvSpPr>
         <p:spPr>
           <a:xfrm>
-            <a:off x="4031739" y="1929932"/>
+            <a:off x="3650739" y="1878642"/>
             <a:ext cx="236048" cy="173380"/>
           </a:xfrm>
           <a:prstGeom prst="flowChartDecision">
@@ -4079,7 +4076,7 @@
         </p:nvSpPr>
         <p:spPr>
           <a:xfrm>
-            <a:off x="6020444" y="1867466"/>
+            <a:off x="5639444" y="1816176"/>
             <a:ext cx="708186" cy="346760"/>
           </a:xfrm>
           <a:prstGeom prst="rect">
@@ -4135,7 +4132,7 @@
         </p:nvSpPr>
         <p:spPr>
           <a:xfrm>
-            <a:off x="5565518" y="1951076"/>
+            <a:off x="5184518" y="1899786"/>
             <a:ext cx="236048" cy="173380"/>
           </a:xfrm>
           <a:prstGeom prst="flowChartDecision">
@@ -4183,7 +4180,7 @@
         </p:nvCxnSpPr>
         <p:spPr>
           <a:xfrm>
-            <a:off x="5801566" y="2037766"/>
+            <a:off x="5420566" y="1986476"/>
             <a:ext cx="218878" cy="3080"/>
           </a:xfrm>
           <a:prstGeom prst="bentConnector3">
@@ -4221,7 +4218,7 @@
         </p:nvSpPr>
         <p:spPr>
           <a:xfrm>
-            <a:off x="7425106" y="1667934"/>
+            <a:off x="7044106" y="1616644"/>
             <a:ext cx="804494" cy="285783"/>
           </a:xfrm>
           <a:prstGeom prst="rect">
@@ -4277,7 +4274,7 @@
         </p:nvSpPr>
         <p:spPr>
           <a:xfrm>
-            <a:off x="6748714" y="1957601"/>
+            <a:off x="6367714" y="1906311"/>
             <a:ext cx="236048" cy="173380"/>
           </a:xfrm>
           <a:prstGeom prst="flowChartDecision">
@@ -4328,7 +4325,7 @@
         </p:nvCxnSpPr>
         <p:spPr>
           <a:xfrm flipV="1">
-            <a:off x="6984762" y="1810826"/>
+            <a:off x="6603762" y="1759536"/>
             <a:ext cx="440344" cy="233465"/>
           </a:xfrm>
           <a:prstGeom prst="bentConnector3">
@@ -4366,7 +4363,7 @@
         </p:nvSpPr>
         <p:spPr>
           <a:xfrm>
-            <a:off x="7419164" y="2099735"/>
+            <a:off x="7038164" y="2048445"/>
             <a:ext cx="804492" cy="285783"/>
           </a:xfrm>
           <a:prstGeom prst="rect">
@@ -4426,7 +4423,7 @@
         </p:nvCxnSpPr>
         <p:spPr>
           <a:xfrm>
-            <a:off x="6984762" y="2044291"/>
+            <a:off x="6603762" y="1993001"/>
             <a:ext cx="434402" cy="198336"/>
           </a:xfrm>
           <a:prstGeom prst="bentConnector3">
@@ -4464,7 +4461,7 @@
         </p:nvSpPr>
         <p:spPr>
           <a:xfrm>
-            <a:off x="7419164" y="2542571"/>
+            <a:off x="7038164" y="3005146"/>
             <a:ext cx="804492" cy="285783"/>
           </a:xfrm>
           <a:prstGeom prst="rect">
@@ -4539,8 +4536,8 @@
         </p:nvCxnSpPr>
         <p:spPr>
           <a:xfrm>
-            <a:off x="6984762" y="2044291"/>
-            <a:ext cx="434402" cy="641172"/>
+            <a:off x="6603762" y="1993001"/>
+            <a:ext cx="434402" cy="1155037"/>
           </a:xfrm>
           <a:prstGeom prst="bentConnector3">
             <a:avLst/>
@@ -4579,7 +4576,7 @@
         </p:nvCxnSpPr>
         <p:spPr>
           <a:xfrm rot="5400000">
-            <a:off x="3260378" y="1696959"/>
+            <a:off x="2879378" y="1645669"/>
             <a:ext cx="293825" cy="5938"/>
           </a:xfrm>
           <a:prstGeom prst="bentConnector3">
@@ -4620,7 +4617,7 @@
         </p:nvSpPr>
         <p:spPr>
           <a:xfrm rot="10800000" flipV="1">
-            <a:off x="3269066" y="1395954"/>
+            <a:off x="2888066" y="1344664"/>
             <a:ext cx="282387" cy="157062"/>
           </a:xfrm>
           <a:prstGeom prst="triangle">
@@ -4668,7 +4665,7 @@
         </p:nvSpPr>
         <p:spPr>
           <a:xfrm>
-            <a:off x="967689" y="1007750"/>
+            <a:off x="586689" y="956460"/>
             <a:ext cx="1443661" cy="364396"/>
           </a:xfrm>
           <a:prstGeom prst="rect">
@@ -4739,7 +4736,7 @@
         </p:nvSpPr>
         <p:spPr>
           <a:xfrm rot="16200000">
-            <a:off x="6069653" y="2595705"/>
+            <a:off x="5688653" y="2544415"/>
             <a:ext cx="881018" cy="261610"/>
           </a:xfrm>
           <a:prstGeom prst="rect">
@@ -4778,7 +4775,7 @@
         </p:nvSpPr>
         <p:spPr>
           <a:xfrm>
-            <a:off x="1764168" y="3248891"/>
+            <a:off x="1383168" y="3197601"/>
             <a:ext cx="1066800" cy="346760"/>
           </a:xfrm>
           <a:prstGeom prst="rect">
@@ -4852,7 +4849,7 @@
         </p:nvCxnSpPr>
         <p:spPr>
           <a:xfrm rot="16200000" flipH="1">
-            <a:off x="1071242" y="2729344"/>
+            <a:off x="690242" y="2678054"/>
             <a:ext cx="831471" cy="554381"/>
           </a:xfrm>
           <a:prstGeom prst="bentConnector2">
@@ -4891,7 +4888,7 @@
         </p:nvSpPr>
         <p:spPr>
           <a:xfrm>
-            <a:off x="4136746" y="2120879"/>
+            <a:off x="3755746" y="2069589"/>
             <a:ext cx="189257" cy="178683"/>
           </a:xfrm>
           <a:prstGeom prst="rect">
@@ -4930,7 +4927,7 @@
         </p:nvSpPr>
         <p:spPr>
           <a:xfrm>
-            <a:off x="5842023" y="2107317"/>
+            <a:off x="5461023" y="2056027"/>
             <a:ext cx="189257" cy="178683"/>
           </a:xfrm>
           <a:prstGeom prst="rect">
@@ -4969,7 +4966,7 @@
         </p:nvSpPr>
         <p:spPr>
           <a:xfrm>
-            <a:off x="2280161" y="1766115"/>
+            <a:off x="1899161" y="1714825"/>
             <a:ext cx="170110" cy="137542"/>
           </a:xfrm>
           <a:prstGeom prst="rect">
@@ -5008,7 +5005,7 @@
         </p:nvSpPr>
         <p:spPr>
           <a:xfrm>
-            <a:off x="6156663" y="2214226"/>
+            <a:off x="5775663" y="2162936"/>
             <a:ext cx="189257" cy="178683"/>
           </a:xfrm>
           <a:prstGeom prst="rect">
@@ -5053,7 +5050,7 @@
         </p:nvSpPr>
         <p:spPr>
           <a:xfrm>
-            <a:off x="7419164" y="1238217"/>
+            <a:off x="7038164" y="1186927"/>
             <a:ext cx="804494" cy="285783"/>
           </a:xfrm>
           <a:prstGeom prst="rect">
@@ -5119,7 +5116,7 @@
         </p:nvCxnSpPr>
         <p:spPr>
           <a:xfrm flipV="1">
-            <a:off x="6984762" y="1381109"/>
+            <a:off x="6603762" y="1329819"/>
             <a:ext cx="434402" cy="663182"/>
           </a:xfrm>
           <a:prstGeom prst="bentConnector3">
@@ -5165,7 +5162,7 @@
         </p:nvSpPr>
         <p:spPr>
           <a:xfrm>
-            <a:off x="7173010" y="1265111"/>
+            <a:off x="6792010" y="1213821"/>
             <a:ext cx="189257" cy="178683"/>
           </a:xfrm>
           <a:prstGeom prst="rect">
@@ -5204,7 +5201,7 @@
         </p:nvSpPr>
         <p:spPr>
           <a:xfrm>
-            <a:off x="2876948" y="1007750"/>
+            <a:off x="2495948" y="956460"/>
             <a:ext cx="1060683" cy="364396"/>
           </a:xfrm>
           <a:prstGeom prst="rect">
@@ -5263,7 +5260,7 @@
         </p:nvCxnSpPr>
         <p:spPr>
           <a:xfrm>
-            <a:off x="4031739" y="2016622"/>
+            <a:off x="3650739" y="1965332"/>
             <a:ext cx="367678" cy="12320"/>
           </a:xfrm>
           <a:prstGeom prst="straightConnector1">
@@ -5301,7 +5298,7 @@
         </p:nvSpPr>
         <p:spPr>
           <a:xfrm rot="16200000">
-            <a:off x="2375840" y="1078558"/>
+            <a:off x="1994840" y="1027268"/>
             <a:ext cx="271014" cy="187417"/>
           </a:xfrm>
           <a:prstGeom prst="triangle">
@@ -5356,7 +5353,7 @@
         </p:nvCxnSpPr>
         <p:spPr>
           <a:xfrm>
-            <a:off x="2605056" y="1187127"/>
+            <a:off x="2224056" y="1135837"/>
             <a:ext cx="271892" cy="2821"/>
           </a:xfrm>
           <a:prstGeom prst="bentConnector3">
@@ -5403,7 +5400,7 @@
         </p:nvSpPr>
         <p:spPr>
           <a:xfrm rot="16200000">
-            <a:off x="1368315" y="4941257"/>
+            <a:off x="987315" y="4889967"/>
             <a:ext cx="1093635" cy="346760"/>
           </a:xfrm>
           <a:prstGeom prst="rect">
@@ -5487,7 +5484,7 @@
         </p:nvCxnSpPr>
         <p:spPr>
           <a:xfrm rot="5400000" flipH="1" flipV="1">
-            <a:off x="3838274" y="3125192"/>
+            <a:off x="3457274" y="3073902"/>
             <a:ext cx="613122" cy="4459404"/>
           </a:xfrm>
           <a:prstGeom prst="bentConnector3">
@@ -5534,7 +5531,7 @@
         </p:nvSpPr>
         <p:spPr>
           <a:xfrm rot="16200000">
-            <a:off x="662969" y="4704709"/>
+            <a:off x="281969" y="4653419"/>
             <a:ext cx="1093635" cy="346760"/>
           </a:xfrm>
           <a:prstGeom prst="rect">
@@ -5610,7 +5607,7 @@
         </p:nvSpPr>
         <p:spPr>
           <a:xfrm rot="16200000">
-            <a:off x="1333677" y="4795798"/>
+            <a:off x="952677" y="4744508"/>
             <a:ext cx="270504" cy="175523"/>
           </a:xfrm>
           <a:prstGeom prst="triangle">
@@ -5663,7 +5660,7 @@
         </p:nvCxnSpPr>
         <p:spPr>
           <a:xfrm>
-            <a:off x="616858" y="4883560"/>
+            <a:off x="235858" y="4832270"/>
             <a:ext cx="419548" cy="2860"/>
           </a:xfrm>
           <a:prstGeom prst="bentConnector3">
@@ -5714,7 +5711,7 @@
         </p:nvCxnSpPr>
         <p:spPr>
           <a:xfrm flipV="1">
-            <a:off x="1556691" y="4883559"/>
+            <a:off x="1175691" y="4832269"/>
             <a:ext cx="216105" cy="1"/>
           </a:xfrm>
           <a:prstGeom prst="line">
@@ -5759,7 +5756,7 @@
         </p:nvSpPr>
         <p:spPr>
           <a:xfrm>
-            <a:off x="2532047" y="4689669"/>
+            <a:off x="2151047" y="4638379"/>
             <a:ext cx="1490560" cy="334856"/>
           </a:xfrm>
           <a:prstGeom prst="rect">
@@ -5824,7 +5821,7 @@
         </p:nvCxnSpPr>
         <p:spPr>
           <a:xfrm>
-            <a:off x="2331127" y="4846540"/>
+            <a:off x="1950127" y="4795250"/>
             <a:ext cx="200920" cy="10557"/>
           </a:xfrm>
           <a:prstGeom prst="straightConnector1">
@@ -5868,7 +5865,7 @@
         </p:nvSpPr>
         <p:spPr>
           <a:xfrm>
-            <a:off x="2095079" y="4759850"/>
+            <a:off x="1714079" y="4708560"/>
             <a:ext cx="236048" cy="173380"/>
           </a:xfrm>
           <a:prstGeom prst="flowChartDecision">
@@ -5919,7 +5916,7 @@
         </p:nvSpPr>
         <p:spPr>
           <a:xfrm>
-            <a:off x="4399417" y="4689669"/>
+            <a:off x="4018417" y="4638379"/>
             <a:ext cx="1156969" cy="346760"/>
           </a:xfrm>
           <a:prstGeom prst="rect">
@@ -5996,7 +5993,7 @@
         </p:nvSpPr>
         <p:spPr>
           <a:xfrm>
-            <a:off x="4031739" y="4764039"/>
+            <a:off x="3650739" y="4712749"/>
             <a:ext cx="236048" cy="173380"/>
           </a:xfrm>
           <a:prstGeom prst="flowChartDecision">
@@ -6049,7 +6046,7 @@
         </p:nvSpPr>
         <p:spPr>
           <a:xfrm>
-            <a:off x="6020444" y="4701573"/>
+            <a:off x="5639444" y="4650283"/>
             <a:ext cx="708186" cy="346760"/>
           </a:xfrm>
           <a:prstGeom prst="rect">
@@ -6126,7 +6123,7 @@
         </p:nvSpPr>
         <p:spPr>
           <a:xfrm>
-            <a:off x="5565518" y="4785183"/>
+            <a:off x="5184518" y="4733893"/>
             <a:ext cx="236048" cy="173380"/>
           </a:xfrm>
           <a:prstGeom prst="flowChartDecision">
@@ -6180,7 +6177,7 @@
         </p:nvCxnSpPr>
         <p:spPr>
           <a:xfrm>
-            <a:off x="5801566" y="4871873"/>
+            <a:off x="5420566" y="4820583"/>
             <a:ext cx="218878" cy="3080"/>
           </a:xfrm>
           <a:prstGeom prst="bentConnector3">
@@ -6224,7 +6221,7 @@
         </p:nvSpPr>
         <p:spPr>
           <a:xfrm>
-            <a:off x="7419163" y="4407745"/>
+            <a:off x="7038163" y="4356455"/>
             <a:ext cx="804497" cy="285783"/>
           </a:xfrm>
           <a:prstGeom prst="rect">
@@ -6286,7 +6283,7 @@
         </p:nvSpPr>
         <p:spPr>
           <a:xfrm>
-            <a:off x="6748714" y="4791708"/>
+            <a:off x="6367714" y="4740418"/>
             <a:ext cx="236048" cy="173380"/>
           </a:xfrm>
           <a:prstGeom prst="flowChartDecision">
@@ -6341,7 +6338,7 @@
         </p:nvCxnSpPr>
         <p:spPr>
           <a:xfrm flipV="1">
-            <a:off x="6984762" y="4550328"/>
+            <a:off x="6603762" y="4499038"/>
             <a:ext cx="434402" cy="327761"/>
           </a:xfrm>
           <a:prstGeom prst="bentConnector3">
@@ -6385,7 +6382,7 @@
         </p:nvSpPr>
         <p:spPr>
           <a:xfrm>
-            <a:off x="7419164" y="4730723"/>
+            <a:off x="7038164" y="4679433"/>
             <a:ext cx="804496" cy="285783"/>
           </a:xfrm>
           <a:prstGeom prst="rect">
@@ -6451,7 +6448,7 @@
         </p:nvCxnSpPr>
         <p:spPr>
           <a:xfrm flipV="1">
-            <a:off x="6984762" y="4873615"/>
+            <a:off x="6603762" y="4822325"/>
             <a:ext cx="434402" cy="4783"/>
           </a:xfrm>
           <a:prstGeom prst="bentConnector3">
@@ -6495,7 +6492,7 @@
         </p:nvSpPr>
         <p:spPr>
           <a:xfrm>
-            <a:off x="7419163" y="5053701"/>
+            <a:off x="7038163" y="5002411"/>
             <a:ext cx="804495" cy="285783"/>
           </a:xfrm>
           <a:prstGeom prst="rect">
@@ -6561,7 +6558,7 @@
         </p:nvCxnSpPr>
         <p:spPr>
           <a:xfrm>
-            <a:off x="6984762" y="4878398"/>
+            <a:off x="6603762" y="4827108"/>
             <a:ext cx="434401" cy="318195"/>
           </a:xfrm>
           <a:prstGeom prst="bentConnector3">
@@ -6607,7 +6604,7 @@
         </p:nvCxnSpPr>
         <p:spPr>
           <a:xfrm rot="5400000">
-            <a:off x="3260378" y="4531066"/>
+            <a:off x="2879378" y="4479776"/>
             <a:ext cx="293825" cy="5938"/>
           </a:xfrm>
           <a:prstGeom prst="bentConnector3">
@@ -6654,7 +6651,7 @@
         </p:nvSpPr>
         <p:spPr>
           <a:xfrm rot="10800000" flipV="1">
-            <a:off x="3269066" y="4230061"/>
+            <a:off x="2888066" y="4178771"/>
             <a:ext cx="282387" cy="157062"/>
           </a:xfrm>
           <a:prstGeom prst="triangle">
@@ -6708,7 +6705,7 @@
         </p:nvSpPr>
         <p:spPr>
           <a:xfrm>
-            <a:off x="967689" y="3841857"/>
+            <a:off x="586689" y="3790567"/>
             <a:ext cx="1443661" cy="364396"/>
           </a:xfrm>
           <a:prstGeom prst="rect">
@@ -6785,7 +6782,7 @@
         </p:nvSpPr>
         <p:spPr>
           <a:xfrm rot="16200000">
-            <a:off x="6069653" y="5429812"/>
+            <a:off x="5688653" y="5378522"/>
             <a:ext cx="881018" cy="261610"/>
           </a:xfrm>
           <a:prstGeom prst="rect">
@@ -6830,7 +6827,7 @@
         </p:nvSpPr>
         <p:spPr>
           <a:xfrm>
-            <a:off x="1764168" y="6082998"/>
+            <a:off x="1383168" y="6031708"/>
             <a:ext cx="1066800" cy="346760"/>
           </a:xfrm>
           <a:prstGeom prst="rect">
@@ -6910,7 +6907,7 @@
         </p:nvCxnSpPr>
         <p:spPr>
           <a:xfrm rot="16200000" flipH="1">
-            <a:off x="1071242" y="5563451"/>
+            <a:off x="690242" y="5512161"/>
             <a:ext cx="831471" cy="554381"/>
           </a:xfrm>
           <a:prstGeom prst="bentConnector2">
@@ -6955,7 +6952,7 @@
         </p:nvSpPr>
         <p:spPr>
           <a:xfrm>
-            <a:off x="4136746" y="4954986"/>
+            <a:off x="3755746" y="4903696"/>
             <a:ext cx="189257" cy="178683"/>
           </a:xfrm>
           <a:prstGeom prst="rect">
@@ -7000,7 +6997,7 @@
         </p:nvSpPr>
         <p:spPr>
           <a:xfrm>
-            <a:off x="5842023" y="4941424"/>
+            <a:off x="5461023" y="4890134"/>
             <a:ext cx="189257" cy="178683"/>
           </a:xfrm>
           <a:prstGeom prst="rect">
@@ -7045,7 +7042,7 @@
         </p:nvSpPr>
         <p:spPr>
           <a:xfrm>
-            <a:off x="2280161" y="4600222"/>
+            <a:off x="1899161" y="4548932"/>
             <a:ext cx="170110" cy="137542"/>
           </a:xfrm>
           <a:prstGeom prst="rect">
@@ -7090,7 +7087,7 @@
         </p:nvSpPr>
         <p:spPr>
           <a:xfrm>
-            <a:off x="6156663" y="5048333"/>
+            <a:off x="5775663" y="4997043"/>
             <a:ext cx="189257" cy="178683"/>
           </a:xfrm>
           <a:prstGeom prst="rect">
@@ -7135,7 +7132,7 @@
         </p:nvSpPr>
         <p:spPr>
           <a:xfrm>
-            <a:off x="2876948" y="3841857"/>
+            <a:off x="2495948" y="3790567"/>
             <a:ext cx="1060683" cy="364396"/>
           </a:xfrm>
           <a:prstGeom prst="rect">
@@ -7200,7 +7197,7 @@
         </p:nvCxnSpPr>
         <p:spPr>
           <a:xfrm>
-            <a:off x="4031739" y="4850729"/>
+            <a:off x="3650739" y="4799439"/>
             <a:ext cx="367678" cy="12320"/>
           </a:xfrm>
           <a:prstGeom prst="straightConnector1">
@@ -7244,7 +7241,7 @@
         </p:nvSpPr>
         <p:spPr>
           <a:xfrm rot="16200000">
-            <a:off x="2375840" y="3912665"/>
+            <a:off x="1994840" y="3861375"/>
             <a:ext cx="271014" cy="187417"/>
           </a:xfrm>
           <a:prstGeom prst="triangle">
@@ -7305,7 +7302,7 @@
         </p:nvCxnSpPr>
         <p:spPr>
           <a:xfrm>
-            <a:off x="2605056" y="4021234"/>
+            <a:off x="2224056" y="3969944"/>
             <a:ext cx="271892" cy="2821"/>
           </a:xfrm>
           <a:prstGeom prst="bentConnector3">
@@ -7354,7 +7351,7 @@
         </p:nvCxnSpPr>
         <p:spPr>
           <a:xfrm rot="5400000">
-            <a:off x="6222533" y="1715967"/>
+            <a:off x="5841533" y="1664677"/>
             <a:ext cx="293825" cy="5938"/>
           </a:xfrm>
           <a:prstGeom prst="bentConnector3">
@@ -7401,7 +7398,7 @@
         </p:nvSpPr>
         <p:spPr>
           <a:xfrm rot="10800000" flipV="1">
-            <a:off x="6231221" y="1414962"/>
+            <a:off x="5850221" y="1363672"/>
             <a:ext cx="282387" cy="157062"/>
           </a:xfrm>
           <a:prstGeom prst="triangle">
@@ -7455,7 +7452,7 @@
         </p:nvSpPr>
         <p:spPr>
           <a:xfrm>
-            <a:off x="5839649" y="1016712"/>
+            <a:off x="5458649" y="965422"/>
             <a:ext cx="1060683" cy="364396"/>
           </a:xfrm>
           <a:prstGeom prst="rect">
@@ -7513,6 +7510,479 @@
             <a:endParaRPr lang="en-SG" sz="1050" dirty="0">
               <a:solidFill>
                 <a:srgbClr val="7030A0"/>
+              </a:solidFill>
+            </a:endParaRPr>
+          </a:p>
+        </p:txBody>
+      </p:sp>
+      <p:cxnSp>
+        <p:nvCxnSpPr>
+          <p:cNvPr id="80" name="Elbow Connector 85">
+            <a:extLst>
+              <a:ext uri="{FF2B5EF4-FFF2-40B4-BE49-F238E27FC236}">
+                <a16:creationId xmlns:a16="http://schemas.microsoft.com/office/drawing/2014/main" id="{DC8D7927-1A11-4302-A4DF-7B8FC49FAD63}"/>
+              </a:ext>
+            </a:extLst>
+          </p:cNvPr>
+          <p:cNvCxnSpPr>
+            <a:cxnSpLocks/>
+            <a:endCxn id="105" idx="1"/>
+          </p:cNvCxnSpPr>
+          <p:nvPr/>
+        </p:nvCxnSpPr>
+        <p:spPr>
+          <a:xfrm rot="16200000" flipH="1">
+            <a:off x="6609073" y="2204515"/>
+            <a:ext cx="640982" cy="217200"/>
+          </a:xfrm>
+          <a:prstGeom prst="bentConnector2">
+            <a:avLst/>
+          </a:prstGeom>
+          <a:ln w="19050">
+            <a:solidFill>
+              <a:srgbClr val="7030A0"/>
+            </a:solidFill>
+            <a:headEnd type="none" w="med" len="med"/>
+            <a:tailEnd type="arrow" w="med" len="med"/>
+          </a:ln>
+          <a:effectLst/>
+        </p:spPr>
+        <p:style>
+          <a:lnRef idx="1">
+            <a:schemeClr val="accent2"/>
+          </a:lnRef>
+          <a:fillRef idx="2">
+            <a:schemeClr val="accent2"/>
+          </a:fillRef>
+          <a:effectRef idx="1">
+            <a:schemeClr val="accent2"/>
+          </a:effectRef>
+          <a:fontRef idx="minor">
+            <a:schemeClr val="dk1"/>
+          </a:fontRef>
+        </p:style>
+      </p:cxnSp>
+      <p:sp>
+        <p:nvSpPr>
+          <p:cNvPr id="105" name="Rectangle 8">
+            <a:extLst>
+              <a:ext uri="{FF2B5EF4-FFF2-40B4-BE49-F238E27FC236}">
+                <a16:creationId xmlns:a16="http://schemas.microsoft.com/office/drawing/2014/main" id="{234BC955-4F83-404B-BFE6-4574A1EF8BAE}"/>
+              </a:ext>
+            </a:extLst>
+          </p:cNvPr>
+          <p:cNvSpPr/>
+          <p:nvPr/>
+        </p:nvSpPr>
+        <p:spPr>
+          <a:xfrm>
+            <a:off x="7038164" y="2490714"/>
+            <a:ext cx="804492" cy="285783"/>
+          </a:xfrm>
+          <a:prstGeom prst="rect">
+            <a:avLst/>
+          </a:prstGeom>
+          <a:ln w="19050">
+            <a:solidFill>
+              <a:srgbClr val="7030A0"/>
+            </a:solidFill>
+          </a:ln>
+          <a:effectLst/>
+        </p:spPr>
+        <p:style>
+          <a:lnRef idx="1">
+            <a:schemeClr val="accent4"/>
+          </a:lnRef>
+          <a:fillRef idx="2">
+            <a:schemeClr val="accent4"/>
+          </a:fillRef>
+          <a:effectRef idx="1">
+            <a:schemeClr val="accent4"/>
+          </a:effectRef>
+          <a:fontRef idx="minor">
+            <a:schemeClr val="dk1"/>
+          </a:fontRef>
+        </p:style>
+        <p:txBody>
+          <a:bodyPr rtlCol="0" anchor="ctr"/>
+          <a:lstStyle/>
+          <a:p>
+            <a:pPr algn="ctr"/>
+            <a:r>
+              <a:rPr lang="en-US" sz="1050" dirty="0">
+                <a:solidFill>
+                  <a:srgbClr val="7030A0"/>
+                </a:solidFill>
+              </a:rPr>
+              <a:t>Venue</a:t>
+            </a:r>
+            <a:endParaRPr lang="en-SG" sz="1050" dirty="0">
+              <a:solidFill>
+                <a:srgbClr val="7030A0"/>
+              </a:solidFill>
+            </a:endParaRPr>
+          </a:p>
+        </p:txBody>
+      </p:sp>
+      <p:sp>
+        <p:nvSpPr>
+          <p:cNvPr id="106" name="Rectangle 8">
+            <a:extLst>
+              <a:ext uri="{FF2B5EF4-FFF2-40B4-BE49-F238E27FC236}">
+                <a16:creationId xmlns:a16="http://schemas.microsoft.com/office/drawing/2014/main" id="{1BF1A156-8366-4FCE-A4D2-69001EC64B99}"/>
+              </a:ext>
+            </a:extLst>
+          </p:cNvPr>
+          <p:cNvSpPr/>
+          <p:nvPr/>
+        </p:nvSpPr>
+        <p:spPr>
+          <a:xfrm>
+            <a:off x="7997008" y="3614484"/>
+            <a:ext cx="804492" cy="285783"/>
+          </a:xfrm>
+          <a:prstGeom prst="rect">
+            <a:avLst/>
+          </a:prstGeom>
+          <a:ln w="19050">
+            <a:solidFill>
+              <a:srgbClr val="7030A0"/>
+            </a:solidFill>
+          </a:ln>
+          <a:effectLst/>
+        </p:spPr>
+        <p:style>
+          <a:lnRef idx="1">
+            <a:schemeClr val="accent4"/>
+          </a:lnRef>
+          <a:fillRef idx="2">
+            <a:schemeClr val="accent4"/>
+          </a:fillRef>
+          <a:effectRef idx="1">
+            <a:schemeClr val="accent4"/>
+          </a:effectRef>
+          <a:fontRef idx="minor">
+            <a:schemeClr val="dk1"/>
+          </a:fontRef>
+        </p:style>
+        <p:txBody>
+          <a:bodyPr rtlCol="0" anchor="ctr"/>
+          <a:lstStyle/>
+          <a:p>
+            <a:pPr algn="ctr"/>
+            <a:r>
+              <a:rPr lang="en-US" sz="1050" dirty="0" err="1">
+                <a:solidFill>
+                  <a:srgbClr val="7030A0"/>
+                </a:solidFill>
+              </a:rPr>
+              <a:t>TextField</a:t>
+            </a:r>
+            <a:endParaRPr lang="en-SG" sz="1050" dirty="0">
+              <a:solidFill>
+                <a:srgbClr val="7030A0"/>
+              </a:solidFill>
+            </a:endParaRPr>
+          </a:p>
+        </p:txBody>
+      </p:sp>
+      <p:sp>
+        <p:nvSpPr>
+          <p:cNvPr id="125" name="Isosceles Triangle 102">
+            <a:extLst>
+              <a:ext uri="{FF2B5EF4-FFF2-40B4-BE49-F238E27FC236}">
+                <a16:creationId xmlns:a16="http://schemas.microsoft.com/office/drawing/2014/main" id="{E6B9BC63-2AF2-4296-AD95-D26DE024C4CE}"/>
+              </a:ext>
+            </a:extLst>
+          </p:cNvPr>
+          <p:cNvSpPr/>
+          <p:nvPr/>
+        </p:nvSpPr>
+        <p:spPr>
+          <a:xfrm flipV="1">
+            <a:off x="7997008" y="3460304"/>
+            <a:ext cx="156392" cy="154180"/>
+          </a:xfrm>
+          <a:prstGeom prst="triangle">
+            <a:avLst>
+              <a:gd name="adj" fmla="val 51687"/>
+            </a:avLst>
+          </a:prstGeom>
+          <a:ln w="19050">
+            <a:solidFill>
+              <a:srgbClr val="7030A0"/>
+            </a:solidFill>
+          </a:ln>
+          <a:effectLst/>
+        </p:spPr>
+        <p:style>
+          <a:lnRef idx="1">
+            <a:schemeClr val="accent4"/>
+          </a:lnRef>
+          <a:fillRef idx="2">
+            <a:schemeClr val="accent4"/>
+          </a:fillRef>
+          <a:effectRef idx="1">
+            <a:schemeClr val="accent4"/>
+          </a:effectRef>
+          <a:fontRef idx="minor">
+            <a:schemeClr val="dk1"/>
+          </a:fontRef>
+        </p:style>
+        <p:txBody>
+          <a:bodyPr rtlCol="0" anchor="ctr"/>
+          <a:lstStyle/>
+          <a:p>
+            <a:pPr algn="ctr"/>
+            <a:endParaRPr lang="en-SG" sz="1050" b="1">
+              <a:solidFill>
+                <a:srgbClr val="92D050"/>
+              </a:solidFill>
+            </a:endParaRPr>
+          </a:p>
+        </p:txBody>
+      </p:sp>
+      <p:cxnSp>
+        <p:nvCxnSpPr>
+          <p:cNvPr id="31" name="Connector: Elbow 30">
+            <a:extLst>
+              <a:ext uri="{FF2B5EF4-FFF2-40B4-BE49-F238E27FC236}">
+                <a16:creationId xmlns:a16="http://schemas.microsoft.com/office/drawing/2014/main" id="{155DBA03-59F2-4DF0-AE9E-BE8DB8CCBE80}"/>
+              </a:ext>
+            </a:extLst>
+          </p:cNvPr>
+          <p:cNvCxnSpPr>
+            <a:cxnSpLocks/>
+            <a:stCxn id="105" idx="3"/>
+            <a:endCxn id="125" idx="3"/>
+          </p:cNvCxnSpPr>
+          <p:nvPr/>
+        </p:nvCxnSpPr>
+        <p:spPr>
+          <a:xfrm>
+            <a:off x="7842656" y="2633606"/>
+            <a:ext cx="235186" cy="826698"/>
+          </a:xfrm>
+          <a:prstGeom prst="bentConnector2">
+            <a:avLst/>
+          </a:prstGeom>
+          <a:ln>
+            <a:solidFill>
+              <a:srgbClr val="7030A0"/>
+            </a:solidFill>
+          </a:ln>
+        </p:spPr>
+        <p:style>
+          <a:lnRef idx="2">
+            <a:schemeClr val="accent4"/>
+          </a:lnRef>
+          <a:fillRef idx="0">
+            <a:schemeClr val="accent4"/>
+          </a:fillRef>
+          <a:effectRef idx="1">
+            <a:schemeClr val="accent4"/>
+          </a:effectRef>
+          <a:fontRef idx="minor">
+            <a:schemeClr val="tx1"/>
+          </a:fontRef>
+        </p:style>
+      </p:cxnSp>
+      <p:cxnSp>
+        <p:nvCxnSpPr>
+          <p:cNvPr id="127" name="Connector: Elbow 126">
+            <a:extLst>
+              <a:ext uri="{FF2B5EF4-FFF2-40B4-BE49-F238E27FC236}">
+                <a16:creationId xmlns:a16="http://schemas.microsoft.com/office/drawing/2014/main" id="{A06D9E4B-267A-4EB6-A49E-CD372CF5094C}"/>
+              </a:ext>
+            </a:extLst>
+          </p:cNvPr>
+          <p:cNvCxnSpPr>
+            <a:cxnSpLocks/>
+            <a:stCxn id="83" idx="3"/>
+          </p:cNvCxnSpPr>
+          <p:nvPr/>
+        </p:nvCxnSpPr>
+        <p:spPr>
+          <a:xfrm>
+            <a:off x="7842656" y="2191337"/>
+            <a:ext cx="556597" cy="1290727"/>
+          </a:xfrm>
+          <a:prstGeom prst="bentConnector2">
+            <a:avLst/>
+          </a:prstGeom>
+          <a:ln>
+            <a:solidFill>
+              <a:srgbClr val="7030A0"/>
+            </a:solidFill>
+          </a:ln>
+        </p:spPr>
+        <p:style>
+          <a:lnRef idx="2">
+            <a:schemeClr val="accent4"/>
+          </a:lnRef>
+          <a:fillRef idx="0">
+            <a:schemeClr val="accent4"/>
+          </a:fillRef>
+          <a:effectRef idx="1">
+            <a:schemeClr val="accent4"/>
+          </a:effectRef>
+          <a:fontRef idx="minor">
+            <a:schemeClr val="tx1"/>
+          </a:fontRef>
+        </p:style>
+      </p:cxnSp>
+      <p:sp>
+        <p:nvSpPr>
+          <p:cNvPr id="135" name="Isosceles Triangle 102">
+            <a:extLst>
+              <a:ext uri="{FF2B5EF4-FFF2-40B4-BE49-F238E27FC236}">
+                <a16:creationId xmlns:a16="http://schemas.microsoft.com/office/drawing/2014/main" id="{5A267526-F419-4059-91B3-B30291B480CC}"/>
+              </a:ext>
+            </a:extLst>
+          </p:cNvPr>
+          <p:cNvSpPr/>
+          <p:nvPr/>
+        </p:nvSpPr>
+        <p:spPr>
+          <a:xfrm flipV="1">
+            <a:off x="8318933" y="3463432"/>
+            <a:ext cx="156392" cy="154180"/>
+          </a:xfrm>
+          <a:prstGeom prst="triangle">
+            <a:avLst>
+              <a:gd name="adj" fmla="val 51687"/>
+            </a:avLst>
+          </a:prstGeom>
+          <a:ln w="19050">
+            <a:solidFill>
+              <a:srgbClr val="7030A0"/>
+            </a:solidFill>
+          </a:ln>
+          <a:effectLst/>
+        </p:spPr>
+        <p:style>
+          <a:lnRef idx="1">
+            <a:schemeClr val="accent4"/>
+          </a:lnRef>
+          <a:fillRef idx="2">
+            <a:schemeClr val="accent4"/>
+          </a:fillRef>
+          <a:effectRef idx="1">
+            <a:schemeClr val="accent4"/>
+          </a:effectRef>
+          <a:fontRef idx="minor">
+            <a:schemeClr val="dk1"/>
+          </a:fontRef>
+        </p:style>
+        <p:txBody>
+          <a:bodyPr rtlCol="0" anchor="ctr"/>
+          <a:lstStyle/>
+          <a:p>
+            <a:pPr algn="ctr"/>
+            <a:endParaRPr lang="en-SG" sz="1050" b="1">
+              <a:solidFill>
+                <a:srgbClr val="92D050"/>
+              </a:solidFill>
+            </a:endParaRPr>
+          </a:p>
+        </p:txBody>
+      </p:sp>
+      <p:cxnSp>
+        <p:nvCxnSpPr>
+          <p:cNvPr id="136" name="Connector: Elbow 135">
+            <a:extLst>
+              <a:ext uri="{FF2B5EF4-FFF2-40B4-BE49-F238E27FC236}">
+                <a16:creationId xmlns:a16="http://schemas.microsoft.com/office/drawing/2014/main" id="{C34BD3F5-0870-475A-ADCF-010E0A901A22}"/>
+              </a:ext>
+            </a:extLst>
+          </p:cNvPr>
+          <p:cNvCxnSpPr>
+            <a:cxnSpLocks/>
+            <a:stCxn id="76" idx="3"/>
+            <a:endCxn id="137" idx="3"/>
+          </p:cNvCxnSpPr>
+          <p:nvPr/>
+        </p:nvCxnSpPr>
+        <p:spPr>
+          <a:xfrm>
+            <a:off x="7848600" y="1759536"/>
+            <a:ext cx="802769" cy="1693034"/>
+          </a:xfrm>
+          <a:prstGeom prst="bentConnector2">
+            <a:avLst/>
+          </a:prstGeom>
+          <a:ln>
+            <a:solidFill>
+              <a:srgbClr val="7030A0"/>
+            </a:solidFill>
+          </a:ln>
+        </p:spPr>
+        <p:style>
+          <a:lnRef idx="2">
+            <a:schemeClr val="accent4"/>
+          </a:lnRef>
+          <a:fillRef idx="0">
+            <a:schemeClr val="accent4"/>
+          </a:fillRef>
+          <a:effectRef idx="1">
+            <a:schemeClr val="accent4"/>
+          </a:effectRef>
+          <a:fontRef idx="minor">
+            <a:schemeClr val="tx1"/>
+          </a:fontRef>
+        </p:style>
+      </p:cxnSp>
+      <p:sp>
+        <p:nvSpPr>
+          <p:cNvPr id="137" name="Isosceles Triangle 102">
+            <a:extLst>
+              <a:ext uri="{FF2B5EF4-FFF2-40B4-BE49-F238E27FC236}">
+                <a16:creationId xmlns:a16="http://schemas.microsoft.com/office/drawing/2014/main" id="{E36DFAD1-B705-403F-938A-C5750A1753E0}"/>
+              </a:ext>
+            </a:extLst>
+          </p:cNvPr>
+          <p:cNvSpPr/>
+          <p:nvPr/>
+        </p:nvSpPr>
+        <p:spPr>
+          <a:xfrm flipV="1">
+            <a:off x="8570535" y="3452570"/>
+            <a:ext cx="156392" cy="154180"/>
+          </a:xfrm>
+          <a:prstGeom prst="triangle">
+            <a:avLst>
+              <a:gd name="adj" fmla="val 51687"/>
+            </a:avLst>
+          </a:prstGeom>
+          <a:ln w="19050">
+            <a:solidFill>
+              <a:srgbClr val="7030A0"/>
+            </a:solidFill>
+          </a:ln>
+          <a:effectLst/>
+        </p:spPr>
+        <p:style>
+          <a:lnRef idx="1">
+            <a:schemeClr val="accent4"/>
+          </a:lnRef>
+          <a:fillRef idx="2">
+            <a:schemeClr val="accent4"/>
+          </a:fillRef>
+          <a:effectRef idx="1">
+            <a:schemeClr val="accent4"/>
+          </a:effectRef>
+          <a:fontRef idx="minor">
+            <a:schemeClr val="dk1"/>
+          </a:fontRef>
+        </p:style>
+        <p:txBody>
+          <a:bodyPr rtlCol="0" anchor="ctr"/>
+          <a:lstStyle/>
+          <a:p>
+            <a:pPr algn="ctr"/>
+            <a:endParaRPr lang="en-SG" sz="1050" b="1">
+              <a:solidFill>
+                <a:srgbClr val="92D050"/>
               </a:solidFill>
             </a:endParaRPr>
           </a:p>
